--- a/ppt/PARCIAL PP3.pptx
+++ b/ppt/PARCIAL PP3.pptx
@@ -27,6 +27,7 @@
     <p:sldId id="281" r:id="rId21"/>
     <p:sldId id="280" r:id="rId22"/>
     <p:sldId id="279" r:id="rId23"/>
+    <p:sldId id="285" r:id="rId24"/>
   </p:sldIdLst>
   <p:sldSz cx="12192000" cy="6858000"/>
   <p:notesSz cx="6858000" cy="9144000"/>
@@ -2824,7 +2825,7 @@
           <a:p>
             <a:fld id="{56C07508-67D5-49C4-98A0-6E1622890ECD}" type="datetimeFigureOut">
               <a:rPr lang="es-AR" smtClean="0"/>
-              <a:t>3/7/2024</a:t>
+              <a:t>4/7/2024</a:t>
             </a:fld>
             <a:endParaRPr lang="es-AR"/>
           </a:p>
@@ -3024,7 +3025,7 @@
           <a:p>
             <a:fld id="{56C07508-67D5-49C4-98A0-6E1622890ECD}" type="datetimeFigureOut">
               <a:rPr lang="es-AR" smtClean="0"/>
-              <a:t>3/7/2024</a:t>
+              <a:t>4/7/2024</a:t>
             </a:fld>
             <a:endParaRPr lang="es-AR"/>
           </a:p>
@@ -3234,7 +3235,7 @@
           <a:p>
             <a:fld id="{56C07508-67D5-49C4-98A0-6E1622890ECD}" type="datetimeFigureOut">
               <a:rPr lang="es-AR" smtClean="0"/>
-              <a:t>3/7/2024</a:t>
+              <a:t>4/7/2024</a:t>
             </a:fld>
             <a:endParaRPr lang="es-AR"/>
           </a:p>
@@ -3434,7 +3435,7 @@
           <a:p>
             <a:fld id="{56C07508-67D5-49C4-98A0-6E1622890ECD}" type="datetimeFigureOut">
               <a:rPr lang="es-AR" smtClean="0"/>
-              <a:t>3/7/2024</a:t>
+              <a:t>4/7/2024</a:t>
             </a:fld>
             <a:endParaRPr lang="es-AR"/>
           </a:p>
@@ -3710,7 +3711,7 @@
           <a:p>
             <a:fld id="{56C07508-67D5-49C4-98A0-6E1622890ECD}" type="datetimeFigureOut">
               <a:rPr lang="es-AR" smtClean="0"/>
-              <a:t>3/7/2024</a:t>
+              <a:t>4/7/2024</a:t>
             </a:fld>
             <a:endParaRPr lang="es-AR"/>
           </a:p>
@@ -3978,7 +3979,7 @@
           <a:p>
             <a:fld id="{56C07508-67D5-49C4-98A0-6E1622890ECD}" type="datetimeFigureOut">
               <a:rPr lang="es-AR" smtClean="0"/>
-              <a:t>3/7/2024</a:t>
+              <a:t>4/7/2024</a:t>
             </a:fld>
             <a:endParaRPr lang="es-AR"/>
           </a:p>
@@ -4393,7 +4394,7 @@
           <a:p>
             <a:fld id="{56C07508-67D5-49C4-98A0-6E1622890ECD}" type="datetimeFigureOut">
               <a:rPr lang="es-AR" smtClean="0"/>
-              <a:t>3/7/2024</a:t>
+              <a:t>4/7/2024</a:t>
             </a:fld>
             <a:endParaRPr lang="es-AR"/>
           </a:p>
@@ -4535,7 +4536,7 @@
           <a:p>
             <a:fld id="{56C07508-67D5-49C4-98A0-6E1622890ECD}" type="datetimeFigureOut">
               <a:rPr lang="es-AR" smtClean="0"/>
-              <a:t>3/7/2024</a:t>
+              <a:t>4/7/2024</a:t>
             </a:fld>
             <a:endParaRPr lang="es-AR"/>
           </a:p>
@@ -4648,7 +4649,7 @@
           <a:p>
             <a:fld id="{56C07508-67D5-49C4-98A0-6E1622890ECD}" type="datetimeFigureOut">
               <a:rPr lang="es-AR" smtClean="0"/>
-              <a:t>3/7/2024</a:t>
+              <a:t>4/7/2024</a:t>
             </a:fld>
             <a:endParaRPr lang="es-AR"/>
           </a:p>
@@ -4961,7 +4962,7 @@
           <a:p>
             <a:fld id="{56C07508-67D5-49C4-98A0-6E1622890ECD}" type="datetimeFigureOut">
               <a:rPr lang="es-AR" smtClean="0"/>
-              <a:t>3/7/2024</a:t>
+              <a:t>4/7/2024</a:t>
             </a:fld>
             <a:endParaRPr lang="es-AR"/>
           </a:p>
@@ -5250,7 +5251,7 @@
           <a:p>
             <a:fld id="{56C07508-67D5-49C4-98A0-6E1622890ECD}" type="datetimeFigureOut">
               <a:rPr lang="es-AR" smtClean="0"/>
-              <a:t>3/7/2024</a:t>
+              <a:t>4/7/2024</a:t>
             </a:fld>
             <a:endParaRPr lang="es-AR"/>
           </a:p>
@@ -5493,7 +5494,7 @@
           <a:p>
             <a:fld id="{56C07508-67D5-49C4-98A0-6E1622890ECD}" type="datetimeFigureOut">
               <a:rPr lang="es-AR" smtClean="0"/>
-              <a:t>3/7/2024</a:t>
+              <a:t>4/7/2024</a:t>
             </a:fld>
             <a:endParaRPr lang="es-AR"/>
           </a:p>
@@ -16925,6 +16926,246 @@
 </p:sld>
 </file>
 
+<file path=ppt/slides/slide23.xml><?xml version="1.0" encoding="utf-8"?>
+<p:sld xmlns:a="http://schemas.openxmlformats.org/drawingml/2006/main" xmlns:r="http://schemas.openxmlformats.org/officeDocument/2006/relationships" xmlns:p="http://schemas.openxmlformats.org/presentationml/2006/main">
+  <p:cSld>
+    <p:spTree>
+      <p:nvGrpSpPr>
+        <p:cNvPr id="1" name=""/>
+        <p:cNvGrpSpPr/>
+        <p:nvPr/>
+      </p:nvGrpSpPr>
+      <p:grpSpPr>
+        <a:xfrm>
+          <a:off x="0" y="0"/>
+          <a:ext cx="0" cy="0"/>
+          <a:chOff x="0" y="0"/>
+          <a:chExt cx="0" cy="0"/>
+        </a:xfrm>
+      </p:grpSpPr>
+      <p:pic>
+        <p:nvPicPr>
+          <p:cNvPr id="17" name="Imagen 16">
+            <a:extLst>
+              <a:ext uri="{FF2B5EF4-FFF2-40B4-BE49-F238E27FC236}">
+                <a16:creationId xmlns:a16="http://schemas.microsoft.com/office/drawing/2014/main" id="{ACE947B8-5615-492F-99A1-6B79C7AAF1CD}"/>
+              </a:ext>
+            </a:extLst>
+          </p:cNvPr>
+          <p:cNvPicPr>
+            <a:picLocks noChangeAspect="1"/>
+          </p:cNvPicPr>
+          <p:nvPr/>
+        </p:nvPicPr>
+        <p:blipFill>
+          <a:blip r:embed="rId2">
+            <a:extLst>
+              <a:ext uri="{28A0092B-C50C-407E-A947-70E740481C1C}">
+                <a14:useLocalDpi xmlns:a14="http://schemas.microsoft.com/office/drawing/2010/main" val="0"/>
+              </a:ext>
+            </a:extLst>
+          </a:blip>
+          <a:stretch>
+            <a:fillRect/>
+          </a:stretch>
+        </p:blipFill>
+        <p:spPr>
+          <a:xfrm>
+            <a:off x="0" y="0"/>
+            <a:ext cx="12192000" cy="6858000"/>
+          </a:xfrm>
+          <a:prstGeom prst="rect">
+            <a:avLst/>
+          </a:prstGeom>
+        </p:spPr>
+      </p:pic>
+      <p:sp>
+        <p:nvSpPr>
+          <p:cNvPr id="5" name="CuadroTexto 4">
+            <a:extLst>
+              <a:ext uri="{FF2B5EF4-FFF2-40B4-BE49-F238E27FC236}">
+                <a16:creationId xmlns:a16="http://schemas.microsoft.com/office/drawing/2014/main" id="{98721F6B-7479-4C95-927D-099FC9D20C53}"/>
+              </a:ext>
+            </a:extLst>
+          </p:cNvPr>
+          <p:cNvSpPr txBox="1"/>
+          <p:nvPr/>
+        </p:nvSpPr>
+        <p:spPr>
+          <a:xfrm>
+            <a:off x="-100668" y="5047536"/>
+            <a:ext cx="184731" cy="584775"/>
+          </a:xfrm>
+          <a:prstGeom prst="rect">
+            <a:avLst/>
+          </a:prstGeom>
+          <a:noFill/>
+        </p:spPr>
+        <p:txBody>
+          <a:bodyPr wrap="none" rtlCol="0">
+            <a:spAutoFit/>
+          </a:bodyPr>
+          <a:lstStyle/>
+          <a:p>
+            <a:endParaRPr lang="es-AR" sz="3200" dirty="0">
+              <a:latin typeface="Segoe UI Semibold" panose="020B0702040204020203" pitchFamily="34" charset="0"/>
+              <a:cs typeface="Segoe UI Semibold" panose="020B0702040204020203" pitchFamily="34" charset="0"/>
+            </a:endParaRPr>
+          </a:p>
+        </p:txBody>
+      </p:sp>
+      <p:pic>
+        <p:nvPicPr>
+          <p:cNvPr id="4" name="Imagen 3">
+            <a:extLst>
+              <a:ext uri="{FF2B5EF4-FFF2-40B4-BE49-F238E27FC236}">
+                <a16:creationId xmlns:a16="http://schemas.microsoft.com/office/drawing/2014/main" id="{4A0EA7F9-FEFC-4BF7-BDEA-E1E4149F70AF}"/>
+              </a:ext>
+            </a:extLst>
+          </p:cNvPr>
+          <p:cNvPicPr>
+            <a:picLocks noChangeAspect="1"/>
+          </p:cNvPicPr>
+          <p:nvPr/>
+        </p:nvPicPr>
+        <p:blipFill>
+          <a:blip r:embed="rId3">
+            <a:duotone>
+              <a:schemeClr val="accent5">
+                <a:shade val="45000"/>
+                <a:satMod val="135000"/>
+              </a:schemeClr>
+              <a:prstClr val="white"/>
+            </a:duotone>
+            <a:extLst>
+              <a:ext uri="{28A0092B-C50C-407E-A947-70E740481C1C}">
+                <a14:useLocalDpi xmlns:a14="http://schemas.microsoft.com/office/drawing/2010/main" val="0"/>
+              </a:ext>
+            </a:extLst>
+          </a:blip>
+          <a:stretch>
+            <a:fillRect/>
+          </a:stretch>
+        </p:blipFill>
+        <p:spPr>
+          <a:xfrm>
+            <a:off x="3918270" y="1251270"/>
+            <a:ext cx="4355459" cy="4355459"/>
+          </a:xfrm>
+          <a:prstGeom prst="rect">
+            <a:avLst/>
+          </a:prstGeom>
+        </p:spPr>
+      </p:pic>
+      <p:sp>
+        <p:nvSpPr>
+          <p:cNvPr id="6" name="CuadroTexto 5">
+            <a:extLst>
+              <a:ext uri="{FF2B5EF4-FFF2-40B4-BE49-F238E27FC236}">
+                <a16:creationId xmlns:a16="http://schemas.microsoft.com/office/drawing/2014/main" id="{DFB74AB3-96B6-4C65-9AA6-24ADC1419C54}"/>
+              </a:ext>
+            </a:extLst>
+          </p:cNvPr>
+          <p:cNvSpPr txBox="1"/>
+          <p:nvPr/>
+        </p:nvSpPr>
+        <p:spPr>
+          <a:xfrm>
+            <a:off x="4826069" y="5800817"/>
+            <a:ext cx="2539862" cy="369332"/>
+          </a:xfrm>
+          <a:prstGeom prst="rect">
+            <a:avLst/>
+          </a:prstGeom>
+          <a:noFill/>
+        </p:spPr>
+        <p:txBody>
+          <a:bodyPr wrap="none" rtlCol="0">
+            <a:spAutoFit/>
+          </a:bodyPr>
+          <a:lstStyle/>
+          <a:p>
+            <a:r>
+              <a:rPr lang="es-AR" dirty="0">
+                <a:solidFill>
+                  <a:schemeClr val="bg1"/>
+                </a:solidFill>
+                <a:highlight>
+                  <a:srgbClr val="4472C4"/>
+                </a:highlight>
+              </a:rPr>
+              <a:t>Link: https://goo.su/zgP6</a:t>
+            </a:r>
+          </a:p>
+        </p:txBody>
+      </p:sp>
+      <p:sp>
+        <p:nvSpPr>
+          <p:cNvPr id="9" name="CuadroTexto 8">
+            <a:extLst>
+              <a:ext uri="{FF2B5EF4-FFF2-40B4-BE49-F238E27FC236}">
+                <a16:creationId xmlns:a16="http://schemas.microsoft.com/office/drawing/2014/main" id="{86D29952-BA3D-467C-AB29-1961E51C0856}"/>
+              </a:ext>
+            </a:extLst>
+          </p:cNvPr>
+          <p:cNvSpPr txBox="1"/>
+          <p:nvPr/>
+        </p:nvSpPr>
+        <p:spPr>
+          <a:xfrm>
+            <a:off x="4687602" y="472407"/>
+            <a:ext cx="2816797" cy="584775"/>
+          </a:xfrm>
+          <a:prstGeom prst="rect">
+            <a:avLst/>
+          </a:prstGeom>
+          <a:noFill/>
+        </p:spPr>
+        <p:txBody>
+          <a:bodyPr wrap="none" rtlCol="0">
+            <a:spAutoFit/>
+          </a:bodyPr>
+          <a:lstStyle/>
+          <a:p>
+            <a:r>
+              <a:rPr lang="es-ES" sz="3200" dirty="0">
+                <a:latin typeface="Segoe UI Semibold" panose="020B0702040204020203" pitchFamily="34" charset="0"/>
+                <a:cs typeface="Segoe UI Semibold" panose="020B0702040204020203" pitchFamily="34" charset="0"/>
+              </a:rPr>
+              <a:t>Acceso al sitio</a:t>
+            </a:r>
+            <a:endParaRPr lang="es-AR" sz="3200" dirty="0">
+              <a:latin typeface="Segoe UI Semibold" panose="020B0702040204020203" pitchFamily="34" charset="0"/>
+              <a:cs typeface="Segoe UI Semibold" panose="020B0702040204020203" pitchFamily="34" charset="0"/>
+            </a:endParaRPr>
+          </a:p>
+        </p:txBody>
+      </p:sp>
+    </p:spTree>
+    <p:extLst>
+      <p:ext uri="{BB962C8B-B14F-4D97-AF65-F5344CB8AC3E}">
+        <p14:creationId xmlns:p14="http://schemas.microsoft.com/office/powerpoint/2010/main" val="3767648903"/>
+      </p:ext>
+    </p:extLst>
+  </p:cSld>
+  <p:clrMapOvr>
+    <a:masterClrMapping/>
+  </p:clrMapOvr>
+  <mc:AlternateContent xmlns:mc="http://schemas.openxmlformats.org/markup-compatibility/2006" xmlns:p14="http://schemas.microsoft.com/office/powerpoint/2010/main">
+    <mc:Choice Requires="p14">
+      <p:transition spd="slow" p14:dur="1500">
+        <p:split orient="vert"/>
+      </p:transition>
+    </mc:Choice>
+    <mc:Fallback xmlns="">
+      <p:transition spd="slow">
+        <p:split orient="vert"/>
+      </p:transition>
+    </mc:Fallback>
+  </mc:AlternateContent>
+</p:sld>
+</file>
+
 <file path=ppt/slides/slide3.xml><?xml version="1.0" encoding="utf-8"?>
 <p:sld xmlns:a="http://schemas.openxmlformats.org/drawingml/2006/main" xmlns:r="http://schemas.openxmlformats.org/officeDocument/2006/relationships" xmlns:p="http://schemas.openxmlformats.org/presentationml/2006/main">
   <p:cSld>
